--- a/directive_classification/毕业论文/图片/新建 Microsoft PowerPoint 演示文稿.pptx
+++ b/directive_classification/毕业论文/图片/新建 Microsoft PowerPoint 演示文稿.pptx
@@ -11,6 +11,7 @@
     <p:sldId id="259" r:id="rId5"/>
     <p:sldId id="260" r:id="rId6"/>
     <p:sldId id="261" r:id="rId7"/>
+    <p:sldId id="262" r:id="rId8"/>
   </p:sldIdLst>
   <p:sldSz cx="12192000" cy="6858000"/>
   <p:notesSz cx="6858000" cy="9144000"/>
@@ -248,7 +249,7 @@
           <a:p>
             <a:fld id="{C53F28DF-F5F3-4EFB-9D2A-A6FBF99BC536}" type="datetimeFigureOut">
               <a:rPr lang="zh-CN" altLang="en-US" smtClean="0"/>
-              <a:t>2019/2/16</a:t>
+              <a:t>2019/2/20</a:t>
             </a:fld>
             <a:endParaRPr lang="zh-CN" altLang="en-US"/>
           </a:p>
@@ -418,7 +419,7 @@
           <a:p>
             <a:fld id="{C53F28DF-F5F3-4EFB-9D2A-A6FBF99BC536}" type="datetimeFigureOut">
               <a:rPr lang="zh-CN" altLang="en-US" smtClean="0"/>
-              <a:t>2019/2/16</a:t>
+              <a:t>2019/2/20</a:t>
             </a:fld>
             <a:endParaRPr lang="zh-CN" altLang="en-US"/>
           </a:p>
@@ -598,7 +599,7 @@
           <a:p>
             <a:fld id="{C53F28DF-F5F3-4EFB-9D2A-A6FBF99BC536}" type="datetimeFigureOut">
               <a:rPr lang="zh-CN" altLang="en-US" smtClean="0"/>
-              <a:t>2019/2/16</a:t>
+              <a:t>2019/2/20</a:t>
             </a:fld>
             <a:endParaRPr lang="zh-CN" altLang="en-US"/>
           </a:p>
@@ -768,7 +769,7 @@
           <a:p>
             <a:fld id="{C53F28DF-F5F3-4EFB-9D2A-A6FBF99BC536}" type="datetimeFigureOut">
               <a:rPr lang="zh-CN" altLang="en-US" smtClean="0"/>
-              <a:t>2019/2/16</a:t>
+              <a:t>2019/2/20</a:t>
             </a:fld>
             <a:endParaRPr lang="zh-CN" altLang="en-US"/>
           </a:p>
@@ -1014,7 +1015,7 @@
           <a:p>
             <a:fld id="{C53F28DF-F5F3-4EFB-9D2A-A6FBF99BC536}" type="datetimeFigureOut">
               <a:rPr lang="zh-CN" altLang="en-US" smtClean="0"/>
-              <a:t>2019/2/16</a:t>
+              <a:t>2019/2/20</a:t>
             </a:fld>
             <a:endParaRPr lang="zh-CN" altLang="en-US"/>
           </a:p>
@@ -1246,7 +1247,7 @@
           <a:p>
             <a:fld id="{C53F28DF-F5F3-4EFB-9D2A-A6FBF99BC536}" type="datetimeFigureOut">
               <a:rPr lang="zh-CN" altLang="en-US" smtClean="0"/>
-              <a:t>2019/2/16</a:t>
+              <a:t>2019/2/20</a:t>
             </a:fld>
             <a:endParaRPr lang="zh-CN" altLang="en-US"/>
           </a:p>
@@ -1613,7 +1614,7 @@
           <a:p>
             <a:fld id="{C53F28DF-F5F3-4EFB-9D2A-A6FBF99BC536}" type="datetimeFigureOut">
               <a:rPr lang="zh-CN" altLang="en-US" smtClean="0"/>
-              <a:t>2019/2/16</a:t>
+              <a:t>2019/2/20</a:t>
             </a:fld>
             <a:endParaRPr lang="zh-CN" altLang="en-US"/>
           </a:p>
@@ -1731,7 +1732,7 @@
           <a:p>
             <a:fld id="{C53F28DF-F5F3-4EFB-9D2A-A6FBF99BC536}" type="datetimeFigureOut">
               <a:rPr lang="zh-CN" altLang="en-US" smtClean="0"/>
-              <a:t>2019/2/16</a:t>
+              <a:t>2019/2/20</a:t>
             </a:fld>
             <a:endParaRPr lang="zh-CN" altLang="en-US"/>
           </a:p>
@@ -1826,7 +1827,7 @@
           <a:p>
             <a:fld id="{C53F28DF-F5F3-4EFB-9D2A-A6FBF99BC536}" type="datetimeFigureOut">
               <a:rPr lang="zh-CN" altLang="en-US" smtClean="0"/>
-              <a:t>2019/2/16</a:t>
+              <a:t>2019/2/20</a:t>
             </a:fld>
             <a:endParaRPr lang="zh-CN" altLang="en-US"/>
           </a:p>
@@ -2103,7 +2104,7 @@
           <a:p>
             <a:fld id="{C53F28DF-F5F3-4EFB-9D2A-A6FBF99BC536}" type="datetimeFigureOut">
               <a:rPr lang="zh-CN" altLang="en-US" smtClean="0"/>
-              <a:t>2019/2/16</a:t>
+              <a:t>2019/2/20</a:t>
             </a:fld>
             <a:endParaRPr lang="zh-CN" altLang="en-US"/>
           </a:p>
@@ -2356,7 +2357,7 @@
           <a:p>
             <a:fld id="{C53F28DF-F5F3-4EFB-9D2A-A6FBF99BC536}" type="datetimeFigureOut">
               <a:rPr lang="zh-CN" altLang="en-US" smtClean="0"/>
-              <a:t>2019/2/16</a:t>
+              <a:t>2019/2/20</a:t>
             </a:fld>
             <a:endParaRPr lang="zh-CN" altLang="en-US"/>
           </a:p>
@@ -2569,7 +2570,7 @@
           <a:p>
             <a:fld id="{C53F28DF-F5F3-4EFB-9D2A-A6FBF99BC536}" type="datetimeFigureOut">
               <a:rPr lang="zh-CN" altLang="en-US" smtClean="0"/>
-              <a:t>2019/2/16</a:t>
+              <a:t>2019/2/20</a:t>
             </a:fld>
             <a:endParaRPr lang="zh-CN" altLang="en-US"/>
           </a:p>
@@ -8180,10 +8181,1493 @@
           <a:chExt cx="0" cy="0"/>
         </a:xfrm>
       </p:grpSpPr>
+      <p:sp>
+        <p:nvSpPr>
+          <p:cNvPr id="2" name="文本框 1"/>
+          <p:cNvSpPr txBox="1"/>
+          <p:nvPr/>
+        </p:nvSpPr>
+        <p:spPr>
+          <a:xfrm>
+            <a:off x="5819032" y="380945"/>
+            <a:ext cx="1454244" cy="369332"/>
+          </a:xfrm>
+          <a:prstGeom prst="rect">
+            <a:avLst/>
+          </a:prstGeom>
+          <a:noFill/>
+        </p:spPr>
+        <p:txBody>
+          <a:bodyPr wrap="none" rtlCol="0">
+            <a:spAutoFit/>
+          </a:bodyPr>
+          <a:lstStyle/>
+          <a:p>
+            <a:r>
+              <a:rPr lang="en-US" altLang="zh-CN" dirty="0" smtClean="0">
+                <a:latin typeface="楷体" panose="02010609060101010101" pitchFamily="49" charset="-122"/>
+                <a:ea typeface="楷体" panose="02010609060101010101" pitchFamily="49" charset="-122"/>
+              </a:rPr>
+              <a:t>API</a:t>
+            </a:r>
+            <a:r>
+              <a:rPr lang="zh-CN" altLang="en-US" dirty="0" smtClean="0">
+                <a:latin typeface="楷体" panose="02010609060101010101" pitchFamily="49" charset="-122"/>
+                <a:ea typeface="楷体" panose="02010609060101010101" pitchFamily="49" charset="-122"/>
+              </a:rPr>
+              <a:t>文档语句</a:t>
+            </a:r>
+            <a:endParaRPr lang="zh-CN" altLang="en-US" dirty="0">
+              <a:latin typeface="楷体" panose="02010609060101010101" pitchFamily="49" charset="-122"/>
+              <a:ea typeface="楷体" panose="02010609060101010101" pitchFamily="49" charset="-122"/>
+            </a:endParaRPr>
+          </a:p>
+        </p:txBody>
+      </p:sp>
+      <p:sp>
+        <p:nvSpPr>
+          <p:cNvPr id="3" name="左大括号 2"/>
+          <p:cNvSpPr/>
+          <p:nvPr/>
+        </p:nvSpPr>
+        <p:spPr>
+          <a:xfrm rot="5400000">
+            <a:off x="6387249" y="-3147043"/>
+            <a:ext cx="317810" cy="8295733"/>
+          </a:xfrm>
+          <a:prstGeom prst="leftBrace">
+            <a:avLst/>
+          </a:prstGeom>
+          <a:ln w="12700">
+            <a:solidFill>
+              <a:schemeClr val="tx1"/>
+            </a:solidFill>
+          </a:ln>
+        </p:spPr>
+        <p:style>
+          <a:lnRef idx="1">
+            <a:schemeClr val="accent1"/>
+          </a:lnRef>
+          <a:fillRef idx="0">
+            <a:schemeClr val="accent1"/>
+          </a:fillRef>
+          <a:effectRef idx="0">
+            <a:schemeClr val="accent1"/>
+          </a:effectRef>
+          <a:fontRef idx="minor">
+            <a:schemeClr val="tx1"/>
+          </a:fontRef>
+        </p:style>
+        <p:txBody>
+          <a:bodyPr rtlCol="0" anchor="ctr"/>
+          <a:lstStyle/>
+          <a:p>
+            <a:pPr algn="ctr"/>
+            <a:endParaRPr lang="zh-CN" altLang="en-US"/>
+          </a:p>
+        </p:txBody>
+      </p:sp>
+      <p:sp>
+        <p:nvSpPr>
+          <p:cNvPr id="4" name="文本框 3"/>
+          <p:cNvSpPr txBox="1"/>
+          <p:nvPr/>
+        </p:nvSpPr>
+        <p:spPr>
+          <a:xfrm>
+            <a:off x="1016052" y="1251370"/>
+            <a:ext cx="2892284" cy="369332"/>
+          </a:xfrm>
+          <a:prstGeom prst="rect">
+            <a:avLst/>
+          </a:prstGeom>
+          <a:noFill/>
+        </p:spPr>
+        <p:txBody>
+          <a:bodyPr vert="horz" wrap="square" rtlCol="0">
+            <a:spAutoFit/>
+          </a:bodyPr>
+          <a:lstStyle/>
+          <a:p>
+            <a:r>
+              <a:rPr lang="zh-CN" altLang="zh-CN" dirty="0" smtClean="0">
+                <a:latin typeface="楷体" panose="02010609060101010101" pitchFamily="49" charset="-122"/>
+                <a:ea typeface="楷体" panose="02010609060101010101" pitchFamily="49" charset="-122"/>
+              </a:rPr>
+              <a:t>方法调用相关约束性</a:t>
+            </a:r>
+            <a:r>
+              <a:rPr lang="zh-CN" altLang="zh-CN" dirty="0">
+                <a:latin typeface="楷体" panose="02010609060101010101" pitchFamily="49" charset="-122"/>
+                <a:ea typeface="楷体" panose="02010609060101010101" pitchFamily="49" charset="-122"/>
+              </a:rPr>
+              <a:t>语句</a:t>
+            </a:r>
+            <a:endParaRPr lang="zh-CN" altLang="en-US" sz="2000" dirty="0">
+              <a:latin typeface="楷体" panose="02010609060101010101" pitchFamily="49" charset="-122"/>
+              <a:ea typeface="楷体" panose="02010609060101010101" pitchFamily="49" charset="-122"/>
+            </a:endParaRPr>
+          </a:p>
+        </p:txBody>
+      </p:sp>
+      <p:sp>
+        <p:nvSpPr>
+          <p:cNvPr id="5" name="矩形 4"/>
+          <p:cNvSpPr/>
+          <p:nvPr/>
+        </p:nvSpPr>
+        <p:spPr>
+          <a:xfrm>
+            <a:off x="5139393" y="1251370"/>
+            <a:ext cx="2262158" cy="369332"/>
+          </a:xfrm>
+          <a:prstGeom prst="rect">
+            <a:avLst/>
+          </a:prstGeom>
+          <a:noFill/>
+        </p:spPr>
+        <p:txBody>
+          <a:bodyPr vert="horz" wrap="none" rtlCol="0">
+            <a:spAutoFit/>
+          </a:bodyPr>
+          <a:lstStyle/>
+          <a:p>
+            <a:r>
+              <a:rPr lang="zh-CN" altLang="zh-CN" dirty="0" smtClean="0">
+                <a:latin typeface="楷体" panose="02010609060101010101" pitchFamily="49" charset="-122"/>
+                <a:ea typeface="楷体" panose="02010609060101010101" pitchFamily="49" charset="-122"/>
+              </a:rPr>
+              <a:t>继承相关约束性语句</a:t>
+            </a:r>
+            <a:endParaRPr lang="zh-CN" altLang="en-US" dirty="0">
+              <a:latin typeface="楷体" panose="02010609060101010101" pitchFamily="49" charset="-122"/>
+              <a:ea typeface="楷体" panose="02010609060101010101" pitchFamily="49" charset="-122"/>
+            </a:endParaRPr>
+          </a:p>
+        </p:txBody>
+      </p:sp>
+      <p:sp>
+        <p:nvSpPr>
+          <p:cNvPr id="7" name="矩形 6"/>
+          <p:cNvSpPr/>
+          <p:nvPr/>
+        </p:nvSpPr>
+        <p:spPr>
+          <a:xfrm>
+            <a:off x="7871084" y="1251370"/>
+            <a:ext cx="1800493" cy="369332"/>
+          </a:xfrm>
+          <a:prstGeom prst="rect">
+            <a:avLst/>
+          </a:prstGeom>
+        </p:spPr>
+        <p:txBody>
+          <a:bodyPr vert="horz" wrap="none">
+            <a:spAutoFit/>
+          </a:bodyPr>
+          <a:lstStyle/>
+          <a:p>
+            <a:r>
+              <a:rPr lang="zh-CN" altLang="zh-CN" dirty="0">
+                <a:latin typeface="Times New Roman" panose="02020603050405020304" pitchFamily="18" charset="0"/>
+                <a:ea typeface="楷体" panose="02010609060101010101" pitchFamily="49" charset="-122"/>
+                <a:cs typeface="Times New Roman" panose="02020603050405020304" pitchFamily="18" charset="0"/>
+              </a:rPr>
+              <a:t>其它约束性</a:t>
+            </a:r>
+            <a:r>
+              <a:rPr lang="zh-CN" altLang="zh-CN" dirty="0" smtClean="0">
+                <a:latin typeface="Times New Roman" panose="02020603050405020304" pitchFamily="18" charset="0"/>
+                <a:ea typeface="楷体" panose="02010609060101010101" pitchFamily="49" charset="-122"/>
+                <a:cs typeface="Times New Roman" panose="02020603050405020304" pitchFamily="18" charset="0"/>
+              </a:rPr>
+              <a:t>语</a:t>
+            </a:r>
+            <a:r>
+              <a:rPr lang="zh-CN" altLang="en-US" dirty="0" smtClean="0">
+                <a:latin typeface="Times New Roman" panose="02020603050405020304" pitchFamily="18" charset="0"/>
+                <a:ea typeface="楷体" panose="02010609060101010101" pitchFamily="49" charset="-122"/>
+                <a:cs typeface="Times New Roman" panose="02020603050405020304" pitchFamily="18" charset="0"/>
+              </a:rPr>
+              <a:t>句</a:t>
+            </a:r>
+            <a:endParaRPr lang="zh-CN" altLang="en-US" dirty="0"/>
+          </a:p>
+        </p:txBody>
+      </p:sp>
+      <p:sp>
+        <p:nvSpPr>
+          <p:cNvPr id="8" name="矩形 7"/>
+          <p:cNvSpPr/>
+          <p:nvPr/>
+        </p:nvSpPr>
+        <p:spPr>
+          <a:xfrm>
+            <a:off x="10141110" y="1251370"/>
+            <a:ext cx="1569660" cy="369332"/>
+          </a:xfrm>
+          <a:prstGeom prst="rect">
+            <a:avLst/>
+          </a:prstGeom>
+        </p:spPr>
+        <p:txBody>
+          <a:bodyPr vert="horz" wrap="none">
+            <a:spAutoFit/>
+          </a:bodyPr>
+          <a:lstStyle/>
+          <a:p>
+            <a:r>
+              <a:rPr lang="zh-CN" altLang="en-US" dirty="0">
+                <a:latin typeface="Times New Roman" panose="02020603050405020304" pitchFamily="18" charset="0"/>
+                <a:ea typeface="楷体" panose="02010609060101010101" pitchFamily="49" charset="-122"/>
+                <a:cs typeface="Times New Roman" panose="02020603050405020304" pitchFamily="18" charset="0"/>
+              </a:rPr>
+              <a:t>非</a:t>
+            </a:r>
+            <a:r>
+              <a:rPr lang="zh-CN" altLang="zh-CN" dirty="0" smtClean="0">
+                <a:latin typeface="Times New Roman" panose="02020603050405020304" pitchFamily="18" charset="0"/>
+                <a:ea typeface="楷体" panose="02010609060101010101" pitchFamily="49" charset="-122"/>
+                <a:cs typeface="Times New Roman" panose="02020603050405020304" pitchFamily="18" charset="0"/>
+              </a:rPr>
+              <a:t>约束性语</a:t>
+            </a:r>
+            <a:r>
+              <a:rPr lang="zh-CN" altLang="en-US" dirty="0" smtClean="0">
+                <a:latin typeface="Times New Roman" panose="02020603050405020304" pitchFamily="18" charset="0"/>
+                <a:ea typeface="楷体" panose="02010609060101010101" pitchFamily="49" charset="-122"/>
+                <a:cs typeface="Times New Roman" panose="02020603050405020304" pitchFamily="18" charset="0"/>
+              </a:rPr>
+              <a:t>句</a:t>
+            </a:r>
+            <a:endParaRPr lang="zh-CN" altLang="en-US" dirty="0"/>
+          </a:p>
+        </p:txBody>
+      </p:sp>
+      <p:sp>
+        <p:nvSpPr>
+          <p:cNvPr id="9" name="左大括号 8"/>
+          <p:cNvSpPr/>
+          <p:nvPr/>
+        </p:nvSpPr>
+        <p:spPr>
+          <a:xfrm rot="5400000">
+            <a:off x="2251642" y="-81481"/>
+            <a:ext cx="291739" cy="3992136"/>
+          </a:xfrm>
+          <a:prstGeom prst="leftBrace">
+            <a:avLst/>
+          </a:prstGeom>
+          <a:ln w="12700">
+            <a:solidFill>
+              <a:schemeClr val="tx1"/>
+            </a:solidFill>
+          </a:ln>
+        </p:spPr>
+        <p:style>
+          <a:lnRef idx="1">
+            <a:schemeClr val="accent1"/>
+          </a:lnRef>
+          <a:fillRef idx="0">
+            <a:schemeClr val="accent1"/>
+          </a:fillRef>
+          <a:effectRef idx="0">
+            <a:schemeClr val="accent1"/>
+          </a:effectRef>
+          <a:fontRef idx="minor">
+            <a:schemeClr val="tx1"/>
+          </a:fontRef>
+        </p:style>
+        <p:txBody>
+          <a:bodyPr rtlCol="0" anchor="ctr"/>
+          <a:lstStyle/>
+          <a:p>
+            <a:pPr algn="ctr"/>
+            <a:endParaRPr lang="zh-CN" altLang="en-US"/>
+          </a:p>
+        </p:txBody>
+      </p:sp>
+      <p:sp>
+        <p:nvSpPr>
+          <p:cNvPr id="10" name="文本框 9"/>
+          <p:cNvSpPr txBox="1"/>
+          <p:nvPr/>
+        </p:nvSpPr>
+        <p:spPr>
+          <a:xfrm>
+            <a:off x="234174" y="2207565"/>
+            <a:ext cx="461665" cy="619551"/>
+          </a:xfrm>
+          <a:prstGeom prst="rect">
+            <a:avLst/>
+          </a:prstGeom>
+          <a:noFill/>
+        </p:spPr>
+        <p:txBody>
+          <a:bodyPr vert="eaVert" wrap="square" rtlCol="0">
+            <a:spAutoFit/>
+          </a:bodyPr>
+          <a:lstStyle/>
+          <a:p>
+            <a:r>
+              <a:rPr lang="zh-CN" altLang="en-US" dirty="0">
+                <a:latin typeface="楷体" panose="02010609060101010101" pitchFamily="49" charset="-122"/>
+                <a:ea typeface="楷体" panose="02010609060101010101" pitchFamily="49" charset="-122"/>
+              </a:rPr>
+              <a:t>非空</a:t>
+            </a:r>
+            <a:endParaRPr lang="zh-CN" altLang="en-US" sz="2000" dirty="0">
+              <a:latin typeface="楷体" panose="02010609060101010101" pitchFamily="49" charset="-122"/>
+              <a:ea typeface="楷体" panose="02010609060101010101" pitchFamily="49" charset="-122"/>
+            </a:endParaRPr>
+          </a:p>
+        </p:txBody>
+      </p:sp>
+      <p:sp>
+        <p:nvSpPr>
+          <p:cNvPr id="11" name="文本框 10"/>
+          <p:cNvSpPr txBox="1"/>
+          <p:nvPr/>
+        </p:nvSpPr>
+        <p:spPr>
+          <a:xfrm>
+            <a:off x="609096" y="2207565"/>
+            <a:ext cx="492443" cy="1020996"/>
+          </a:xfrm>
+          <a:prstGeom prst="rect">
+            <a:avLst/>
+          </a:prstGeom>
+          <a:noFill/>
+        </p:spPr>
+        <p:txBody>
+          <a:bodyPr vert="eaVert" wrap="square" rtlCol="0">
+            <a:spAutoFit/>
+          </a:bodyPr>
+          <a:lstStyle/>
+          <a:p>
+            <a:r>
+              <a:rPr lang="zh-CN" altLang="en-US" sz="2000" dirty="0" smtClean="0">
+                <a:latin typeface="楷体" panose="02010609060101010101" pitchFamily="49" charset="-122"/>
+                <a:ea typeface="楷体" panose="02010609060101010101" pitchFamily="49" charset="-122"/>
+              </a:rPr>
+              <a:t>返回值</a:t>
+            </a:r>
+            <a:endParaRPr lang="zh-CN" altLang="en-US" sz="2000" dirty="0">
+              <a:latin typeface="楷体" panose="02010609060101010101" pitchFamily="49" charset="-122"/>
+              <a:ea typeface="楷体" panose="02010609060101010101" pitchFamily="49" charset="-122"/>
+            </a:endParaRPr>
+          </a:p>
+        </p:txBody>
+      </p:sp>
+      <p:sp>
+        <p:nvSpPr>
+          <p:cNvPr id="12" name="文本框 11"/>
+          <p:cNvSpPr txBox="1"/>
+          <p:nvPr/>
+        </p:nvSpPr>
+        <p:spPr>
+          <a:xfrm>
+            <a:off x="995364" y="2207565"/>
+            <a:ext cx="492443" cy="1622246"/>
+          </a:xfrm>
+          <a:prstGeom prst="rect">
+            <a:avLst/>
+          </a:prstGeom>
+          <a:noFill/>
+        </p:spPr>
+        <p:txBody>
+          <a:bodyPr vert="eaVert" wrap="square" rtlCol="0">
+            <a:spAutoFit/>
+          </a:bodyPr>
+          <a:lstStyle/>
+          <a:p>
+            <a:r>
+              <a:rPr lang="zh-CN" altLang="en-US" sz="2000" dirty="0">
+                <a:latin typeface="楷体" panose="02010609060101010101" pitchFamily="49" charset="-122"/>
+                <a:ea typeface="楷体" panose="02010609060101010101" pitchFamily="49" charset="-122"/>
+              </a:rPr>
+              <a:t>方法可见性</a:t>
+            </a:r>
+          </a:p>
+        </p:txBody>
+      </p:sp>
+      <p:sp>
+        <p:nvSpPr>
+          <p:cNvPr id="13" name="文本框 12"/>
+          <p:cNvSpPr txBox="1"/>
+          <p:nvPr/>
+        </p:nvSpPr>
+        <p:spPr>
+          <a:xfrm>
+            <a:off x="1425749" y="2207565"/>
+            <a:ext cx="492443" cy="1622246"/>
+          </a:xfrm>
+          <a:prstGeom prst="rect">
+            <a:avLst/>
+          </a:prstGeom>
+          <a:noFill/>
+        </p:spPr>
+        <p:txBody>
+          <a:bodyPr vert="eaVert" wrap="square" rtlCol="0">
+            <a:spAutoFit/>
+          </a:bodyPr>
+          <a:lstStyle/>
+          <a:p>
+            <a:r>
+              <a:rPr lang="zh-CN" altLang="en-US" sz="2000" dirty="0">
+                <a:latin typeface="楷体" panose="02010609060101010101" pitchFamily="49" charset="-122"/>
+                <a:ea typeface="楷体" panose="02010609060101010101" pitchFamily="49" charset="-122"/>
+              </a:rPr>
+              <a:t>抛出异常</a:t>
+            </a:r>
+          </a:p>
+        </p:txBody>
+      </p:sp>
+      <p:sp>
+        <p:nvSpPr>
+          <p:cNvPr id="14" name="文本框 13"/>
+          <p:cNvSpPr txBox="1"/>
+          <p:nvPr/>
+        </p:nvSpPr>
+        <p:spPr>
+          <a:xfrm>
+            <a:off x="1916995" y="2207565"/>
+            <a:ext cx="492443" cy="1622246"/>
+          </a:xfrm>
+          <a:prstGeom prst="rect">
+            <a:avLst/>
+          </a:prstGeom>
+          <a:noFill/>
+        </p:spPr>
+        <p:txBody>
+          <a:bodyPr vert="eaVert" wrap="square" rtlCol="0">
+            <a:spAutoFit/>
+          </a:bodyPr>
+          <a:lstStyle/>
+          <a:p>
+            <a:r>
+              <a:rPr lang="zh-CN" altLang="en-US" sz="2000" dirty="0">
+                <a:latin typeface="楷体" panose="02010609060101010101" pitchFamily="49" charset="-122"/>
+                <a:ea typeface="楷体" panose="02010609060101010101" pitchFamily="49" charset="-122"/>
+              </a:rPr>
+              <a:t>允许空值</a:t>
+            </a:r>
+          </a:p>
+        </p:txBody>
+      </p:sp>
+      <p:sp>
+        <p:nvSpPr>
+          <p:cNvPr id="15" name="文本框 14"/>
+          <p:cNvSpPr txBox="1"/>
+          <p:nvPr/>
+        </p:nvSpPr>
+        <p:spPr>
+          <a:xfrm>
+            <a:off x="2354823" y="2207565"/>
+            <a:ext cx="492443" cy="1622246"/>
+          </a:xfrm>
+          <a:prstGeom prst="rect">
+            <a:avLst/>
+          </a:prstGeom>
+          <a:noFill/>
+        </p:spPr>
+        <p:txBody>
+          <a:bodyPr vert="eaVert" wrap="square" rtlCol="0">
+            <a:spAutoFit/>
+          </a:bodyPr>
+          <a:lstStyle/>
+          <a:p>
+            <a:r>
+              <a:rPr lang="zh-CN" altLang="en-US" sz="2000" dirty="0" smtClean="0">
+                <a:latin typeface="楷体" panose="02010609060101010101" pitchFamily="49" charset="-122"/>
+                <a:ea typeface="楷体" panose="02010609060101010101" pitchFamily="49" charset="-122"/>
+              </a:rPr>
+              <a:t>字符串格式化</a:t>
+            </a:r>
+            <a:endParaRPr lang="zh-CN" altLang="en-US" sz="2000" dirty="0">
+              <a:latin typeface="楷体" panose="02010609060101010101" pitchFamily="49" charset="-122"/>
+              <a:ea typeface="楷体" panose="02010609060101010101" pitchFamily="49" charset="-122"/>
+            </a:endParaRPr>
+          </a:p>
+        </p:txBody>
+      </p:sp>
+      <p:sp>
+        <p:nvSpPr>
+          <p:cNvPr id="16" name="文本框 15"/>
+          <p:cNvSpPr txBox="1"/>
+          <p:nvPr/>
+        </p:nvSpPr>
+        <p:spPr>
+          <a:xfrm>
+            <a:off x="2741501" y="2207565"/>
+            <a:ext cx="492443" cy="1622246"/>
+          </a:xfrm>
+          <a:prstGeom prst="rect">
+            <a:avLst/>
+          </a:prstGeom>
+          <a:noFill/>
+        </p:spPr>
+        <p:txBody>
+          <a:bodyPr vert="eaVert" wrap="square" rtlCol="0">
+            <a:spAutoFit/>
+          </a:bodyPr>
+          <a:lstStyle/>
+          <a:p>
+            <a:r>
+              <a:rPr lang="zh-CN" altLang="en-US" sz="2000" dirty="0">
+                <a:latin typeface="楷体" panose="02010609060101010101" pitchFamily="49" charset="-122"/>
+                <a:ea typeface="楷体" panose="02010609060101010101" pitchFamily="49" charset="-122"/>
+              </a:rPr>
+              <a:t>数值范围</a:t>
+            </a:r>
+          </a:p>
+        </p:txBody>
+      </p:sp>
+      <p:sp>
+        <p:nvSpPr>
+          <p:cNvPr id="17" name="文本框 16"/>
+          <p:cNvSpPr txBox="1"/>
+          <p:nvPr/>
+        </p:nvSpPr>
+        <p:spPr>
+          <a:xfrm>
+            <a:off x="3179329" y="2207565"/>
+            <a:ext cx="492443" cy="1622246"/>
+          </a:xfrm>
+          <a:prstGeom prst="rect">
+            <a:avLst/>
+          </a:prstGeom>
+          <a:noFill/>
+        </p:spPr>
+        <p:txBody>
+          <a:bodyPr vert="eaVert" wrap="square" rtlCol="0">
+            <a:spAutoFit/>
+          </a:bodyPr>
+          <a:lstStyle/>
+          <a:p>
+            <a:r>
+              <a:rPr lang="zh-CN" altLang="en-US" sz="2000" dirty="0">
+                <a:latin typeface="楷体" panose="02010609060101010101" pitchFamily="49" charset="-122"/>
+                <a:ea typeface="楷体" panose="02010609060101010101" pitchFamily="49" charset="-122"/>
+              </a:rPr>
+              <a:t>方法参数类型</a:t>
+            </a:r>
+          </a:p>
+        </p:txBody>
+      </p:sp>
+      <p:sp>
+        <p:nvSpPr>
+          <p:cNvPr id="18" name="文本框 17"/>
+          <p:cNvSpPr txBox="1"/>
+          <p:nvPr/>
+        </p:nvSpPr>
+        <p:spPr>
+          <a:xfrm>
+            <a:off x="3625963" y="2207565"/>
+            <a:ext cx="492443" cy="1622246"/>
+          </a:xfrm>
+          <a:prstGeom prst="rect">
+            <a:avLst/>
+          </a:prstGeom>
+          <a:noFill/>
+        </p:spPr>
+        <p:txBody>
+          <a:bodyPr vert="eaVert" wrap="square" rtlCol="0">
+            <a:spAutoFit/>
+          </a:bodyPr>
+          <a:lstStyle/>
+          <a:p>
+            <a:r>
+              <a:rPr lang="zh-CN" altLang="en-US" sz="2000" dirty="0" smtClean="0">
+                <a:latin typeface="楷体" panose="02010609060101010101" pitchFamily="49" charset="-122"/>
+                <a:ea typeface="楷体" panose="02010609060101010101" pitchFamily="49" charset="-122"/>
+              </a:rPr>
+              <a:t>方法</a:t>
+            </a:r>
+            <a:r>
+              <a:rPr lang="zh-CN" altLang="en-US" sz="2000" dirty="0">
+                <a:latin typeface="楷体" panose="02010609060101010101" pitchFamily="49" charset="-122"/>
+                <a:ea typeface="楷体" panose="02010609060101010101" pitchFamily="49" charset="-122"/>
+              </a:rPr>
+              <a:t>调用顺序</a:t>
+            </a:r>
+          </a:p>
+        </p:txBody>
+      </p:sp>
+      <p:sp>
+        <p:nvSpPr>
+          <p:cNvPr id="19" name="左大括号 18"/>
+          <p:cNvSpPr/>
+          <p:nvPr/>
+        </p:nvSpPr>
+        <p:spPr>
+          <a:xfrm rot="5400000">
+            <a:off x="6088357" y="975372"/>
+            <a:ext cx="287640" cy="1882531"/>
+          </a:xfrm>
+          <a:prstGeom prst="leftBrace">
+            <a:avLst/>
+          </a:prstGeom>
+          <a:ln w="12700">
+            <a:solidFill>
+              <a:schemeClr val="tx1"/>
+            </a:solidFill>
+          </a:ln>
+        </p:spPr>
+        <p:style>
+          <a:lnRef idx="1">
+            <a:schemeClr val="accent1"/>
+          </a:lnRef>
+          <a:fillRef idx="0">
+            <a:schemeClr val="accent1"/>
+          </a:fillRef>
+          <a:effectRef idx="0">
+            <a:schemeClr val="accent1"/>
+          </a:effectRef>
+          <a:fontRef idx="minor">
+            <a:schemeClr val="tx1"/>
+          </a:fontRef>
+        </p:style>
+        <p:txBody>
+          <a:bodyPr rtlCol="0" anchor="ctr"/>
+          <a:lstStyle/>
+          <a:p>
+            <a:pPr algn="ctr"/>
+            <a:endParaRPr lang="zh-CN" altLang="en-US"/>
+          </a:p>
+        </p:txBody>
+      </p:sp>
+      <p:sp>
+        <p:nvSpPr>
+          <p:cNvPr id="20" name="文本框 19"/>
+          <p:cNvSpPr txBox="1"/>
+          <p:nvPr/>
+        </p:nvSpPr>
+        <p:spPr>
+          <a:xfrm>
+            <a:off x="5098744" y="2207565"/>
+            <a:ext cx="461665" cy="1180455"/>
+          </a:xfrm>
+          <a:prstGeom prst="rect">
+            <a:avLst/>
+          </a:prstGeom>
+          <a:noFill/>
+        </p:spPr>
+        <p:txBody>
+          <a:bodyPr vert="eaVert" wrap="square" rtlCol="0">
+            <a:spAutoFit/>
+          </a:bodyPr>
+          <a:lstStyle/>
+          <a:p>
+            <a:r>
+              <a:rPr lang="zh-CN" altLang="en-US" dirty="0">
+                <a:latin typeface="楷体" panose="02010609060101010101" pitchFamily="49" charset="-122"/>
+                <a:ea typeface="楷体" panose="02010609060101010101" pitchFamily="49" charset="-122"/>
+              </a:rPr>
+              <a:t>方法重写</a:t>
+            </a:r>
+            <a:endParaRPr lang="zh-CN" altLang="en-US" sz="2000" dirty="0">
+              <a:latin typeface="楷体" panose="02010609060101010101" pitchFamily="49" charset="-122"/>
+              <a:ea typeface="楷体" panose="02010609060101010101" pitchFamily="49" charset="-122"/>
+            </a:endParaRPr>
+          </a:p>
+        </p:txBody>
+      </p:sp>
+      <p:sp>
+        <p:nvSpPr>
+          <p:cNvPr id="21" name="文本框 20"/>
+          <p:cNvSpPr txBox="1"/>
+          <p:nvPr/>
+        </p:nvSpPr>
+        <p:spPr>
+          <a:xfrm>
+            <a:off x="5505600" y="2207137"/>
+            <a:ext cx="492443" cy="1699618"/>
+          </a:xfrm>
+          <a:prstGeom prst="rect">
+            <a:avLst/>
+          </a:prstGeom>
+          <a:noFill/>
+        </p:spPr>
+        <p:txBody>
+          <a:bodyPr vert="eaVert" wrap="square" rtlCol="0">
+            <a:spAutoFit/>
+          </a:bodyPr>
+          <a:lstStyle/>
+          <a:p>
+            <a:r>
+              <a:rPr lang="zh-CN" altLang="en-US" sz="2000" dirty="0">
+                <a:latin typeface="楷体" panose="02010609060101010101" pitchFamily="49" charset="-122"/>
+                <a:ea typeface="楷体" panose="02010609060101010101" pitchFamily="49" charset="-122"/>
+              </a:rPr>
+              <a:t>可被继承的类</a:t>
+            </a:r>
+          </a:p>
+        </p:txBody>
+      </p:sp>
+      <p:sp>
+        <p:nvSpPr>
+          <p:cNvPr id="22" name="文本框 21"/>
+          <p:cNvSpPr txBox="1"/>
+          <p:nvPr/>
+        </p:nvSpPr>
+        <p:spPr>
+          <a:xfrm>
+            <a:off x="5969496" y="2208022"/>
+            <a:ext cx="492443" cy="1622246"/>
+          </a:xfrm>
+          <a:prstGeom prst="rect">
+            <a:avLst/>
+          </a:prstGeom>
+          <a:noFill/>
+        </p:spPr>
+        <p:txBody>
+          <a:bodyPr vert="eaVert" wrap="square" rtlCol="0">
+            <a:spAutoFit/>
+          </a:bodyPr>
+          <a:lstStyle/>
+          <a:p>
+            <a:r>
+              <a:rPr lang="zh-CN" altLang="en-US" sz="2000" dirty="0">
+                <a:latin typeface="楷体" panose="02010609060101010101" pitchFamily="49" charset="-122"/>
+                <a:ea typeface="楷体" panose="02010609060101010101" pitchFamily="49" charset="-122"/>
+              </a:rPr>
+              <a:t>方法继承</a:t>
+            </a:r>
+          </a:p>
+        </p:txBody>
+      </p:sp>
+      <p:sp>
+        <p:nvSpPr>
+          <p:cNvPr id="23" name="文本框 22"/>
+          <p:cNvSpPr txBox="1"/>
+          <p:nvPr/>
+        </p:nvSpPr>
+        <p:spPr>
+          <a:xfrm>
+            <a:off x="6450945" y="2207137"/>
+            <a:ext cx="492443" cy="2417326"/>
+          </a:xfrm>
+          <a:prstGeom prst="rect">
+            <a:avLst/>
+          </a:prstGeom>
+          <a:noFill/>
+        </p:spPr>
+        <p:txBody>
+          <a:bodyPr vert="eaVert" wrap="square" rtlCol="0">
+            <a:spAutoFit/>
+          </a:bodyPr>
+          <a:lstStyle/>
+          <a:p>
+            <a:r>
+              <a:rPr lang="zh-CN" altLang="en-US" sz="2000" dirty="0" smtClean="0">
+                <a:latin typeface="楷体" panose="02010609060101010101" pitchFamily="49" charset="-122"/>
+                <a:ea typeface="楷体" panose="02010609060101010101" pitchFamily="49" charset="-122"/>
+              </a:rPr>
+              <a:t>继承并调用契约方法</a:t>
+            </a:r>
+            <a:endParaRPr lang="zh-CN" altLang="en-US" sz="2000" dirty="0">
+              <a:latin typeface="楷体" panose="02010609060101010101" pitchFamily="49" charset="-122"/>
+              <a:ea typeface="楷体" panose="02010609060101010101" pitchFamily="49" charset="-122"/>
+            </a:endParaRPr>
+          </a:p>
+        </p:txBody>
+      </p:sp>
+      <p:sp>
+        <p:nvSpPr>
+          <p:cNvPr id="26" name="左大括号 25"/>
+          <p:cNvSpPr/>
+          <p:nvPr/>
+        </p:nvSpPr>
+        <p:spPr>
+          <a:xfrm rot="5400000">
+            <a:off x="8645442" y="1451143"/>
+            <a:ext cx="293075" cy="925553"/>
+          </a:xfrm>
+          <a:prstGeom prst="leftBrace">
+            <a:avLst/>
+          </a:prstGeom>
+          <a:ln w="12700">
+            <a:solidFill>
+              <a:schemeClr val="tx1"/>
+            </a:solidFill>
+          </a:ln>
+        </p:spPr>
+        <p:style>
+          <a:lnRef idx="1">
+            <a:schemeClr val="accent1"/>
+          </a:lnRef>
+          <a:fillRef idx="0">
+            <a:schemeClr val="accent1"/>
+          </a:fillRef>
+          <a:effectRef idx="0">
+            <a:schemeClr val="accent1"/>
+          </a:effectRef>
+          <a:fontRef idx="minor">
+            <a:schemeClr val="tx1"/>
+          </a:fontRef>
+        </p:style>
+        <p:txBody>
+          <a:bodyPr rtlCol="0" anchor="ctr"/>
+          <a:lstStyle/>
+          <a:p>
+            <a:pPr algn="ctr"/>
+            <a:endParaRPr lang="zh-CN" altLang="en-US"/>
+          </a:p>
+        </p:txBody>
+      </p:sp>
+      <p:sp>
+        <p:nvSpPr>
+          <p:cNvPr id="27" name="文本框 26"/>
+          <p:cNvSpPr txBox="1"/>
+          <p:nvPr/>
+        </p:nvSpPr>
+        <p:spPr>
+          <a:xfrm>
+            <a:off x="8163688" y="2210482"/>
+            <a:ext cx="461665" cy="1534673"/>
+          </a:xfrm>
+          <a:prstGeom prst="rect">
+            <a:avLst/>
+          </a:prstGeom>
+          <a:noFill/>
+        </p:spPr>
+        <p:txBody>
+          <a:bodyPr vert="eaVert" wrap="square" rtlCol="0">
+            <a:spAutoFit/>
+          </a:bodyPr>
+          <a:lstStyle/>
+          <a:p>
+            <a:r>
+              <a:rPr lang="zh-CN" altLang="en-US" dirty="0">
+                <a:latin typeface="楷体" panose="02010609060101010101" pitchFamily="49" charset="-122"/>
+                <a:ea typeface="楷体" panose="02010609060101010101" pitchFamily="49" charset="-122"/>
+              </a:rPr>
+              <a:t>可替换版本</a:t>
+            </a:r>
+            <a:endParaRPr lang="zh-CN" altLang="en-US" sz="2000" dirty="0">
+              <a:latin typeface="楷体" panose="02010609060101010101" pitchFamily="49" charset="-122"/>
+              <a:ea typeface="楷体" panose="02010609060101010101" pitchFamily="49" charset="-122"/>
+            </a:endParaRPr>
+          </a:p>
+        </p:txBody>
+      </p:sp>
+      <p:sp>
+        <p:nvSpPr>
+          <p:cNvPr id="28" name="文本框 27"/>
+          <p:cNvSpPr txBox="1"/>
+          <p:nvPr/>
+        </p:nvSpPr>
+        <p:spPr>
+          <a:xfrm>
+            <a:off x="8594586" y="2210480"/>
+            <a:ext cx="492443" cy="1699618"/>
+          </a:xfrm>
+          <a:prstGeom prst="rect">
+            <a:avLst/>
+          </a:prstGeom>
+          <a:noFill/>
+        </p:spPr>
+        <p:txBody>
+          <a:bodyPr vert="eaVert" wrap="square" rtlCol="0">
+            <a:spAutoFit/>
+          </a:bodyPr>
+          <a:lstStyle/>
+          <a:p>
+            <a:r>
+              <a:rPr lang="zh-CN" altLang="en-US" sz="2000" dirty="0" smtClean="0">
+                <a:latin typeface="楷体" panose="02010609060101010101" pitchFamily="49" charset="-122"/>
+                <a:ea typeface="楷体" panose="02010609060101010101" pitchFamily="49" charset="-122"/>
+              </a:rPr>
+              <a:t>同步问题</a:t>
+            </a:r>
+            <a:endParaRPr lang="zh-CN" altLang="en-US" sz="2000" dirty="0">
+              <a:latin typeface="楷体" panose="02010609060101010101" pitchFamily="49" charset="-122"/>
+              <a:ea typeface="楷体" panose="02010609060101010101" pitchFamily="49" charset="-122"/>
+            </a:endParaRPr>
+          </a:p>
+        </p:txBody>
+      </p:sp>
+      <p:sp>
+        <p:nvSpPr>
+          <p:cNvPr id="29" name="文本框 28"/>
+          <p:cNvSpPr txBox="1"/>
+          <p:nvPr/>
+        </p:nvSpPr>
+        <p:spPr>
+          <a:xfrm>
+            <a:off x="6943388" y="2207137"/>
+            <a:ext cx="492443" cy="1699618"/>
+          </a:xfrm>
+          <a:prstGeom prst="rect">
+            <a:avLst/>
+          </a:prstGeom>
+          <a:noFill/>
+        </p:spPr>
+        <p:txBody>
+          <a:bodyPr vert="eaVert" wrap="square" rtlCol="0">
+            <a:spAutoFit/>
+          </a:bodyPr>
+          <a:lstStyle/>
+          <a:p>
+            <a:r>
+              <a:rPr lang="zh-CN" altLang="en-US" sz="2000" dirty="0" smtClean="0">
+                <a:latin typeface="楷体" panose="02010609060101010101" pitchFamily="49" charset="-122"/>
+                <a:ea typeface="楷体" panose="02010609060101010101" pitchFamily="49" charset="-122"/>
+              </a:rPr>
+              <a:t>其它</a:t>
+            </a:r>
+            <a:endParaRPr lang="zh-CN" altLang="en-US" sz="2000" dirty="0">
+              <a:latin typeface="楷体" panose="02010609060101010101" pitchFamily="49" charset="-122"/>
+              <a:ea typeface="楷体" panose="02010609060101010101" pitchFamily="49" charset="-122"/>
+            </a:endParaRPr>
+          </a:p>
+        </p:txBody>
+      </p:sp>
+      <p:sp>
+        <p:nvSpPr>
+          <p:cNvPr id="30" name="文本框 29"/>
+          <p:cNvSpPr txBox="1"/>
+          <p:nvPr/>
+        </p:nvSpPr>
+        <p:spPr>
+          <a:xfrm>
+            <a:off x="9025480" y="2235616"/>
+            <a:ext cx="492443" cy="1674482"/>
+          </a:xfrm>
+          <a:prstGeom prst="rect">
+            <a:avLst/>
+          </a:prstGeom>
+          <a:noFill/>
+        </p:spPr>
+        <p:txBody>
+          <a:bodyPr vert="eaVert" wrap="square" rtlCol="0">
+            <a:spAutoFit/>
+          </a:bodyPr>
+          <a:lstStyle/>
+          <a:p>
+            <a:r>
+              <a:rPr lang="zh-CN" altLang="en-US" sz="2000" dirty="0" smtClean="0">
+                <a:latin typeface="楷体" panose="02010609060101010101" pitchFamily="49" charset="-122"/>
+                <a:ea typeface="楷体" panose="02010609060101010101" pitchFamily="49" charset="-122"/>
+              </a:rPr>
+              <a:t>其它</a:t>
+            </a:r>
+            <a:endParaRPr lang="zh-CN" altLang="en-US" sz="2000" dirty="0">
+              <a:latin typeface="楷体" panose="02010609060101010101" pitchFamily="49" charset="-122"/>
+              <a:ea typeface="楷体" panose="02010609060101010101" pitchFamily="49" charset="-122"/>
+            </a:endParaRPr>
+          </a:p>
+        </p:txBody>
+      </p:sp>
+      <p:sp>
+        <p:nvSpPr>
+          <p:cNvPr id="31" name="文本框 30"/>
+          <p:cNvSpPr txBox="1"/>
+          <p:nvPr/>
+        </p:nvSpPr>
+        <p:spPr>
+          <a:xfrm>
+            <a:off x="4127472" y="2207565"/>
+            <a:ext cx="492443" cy="1760386"/>
+          </a:xfrm>
+          <a:prstGeom prst="rect">
+            <a:avLst/>
+          </a:prstGeom>
+          <a:noFill/>
+        </p:spPr>
+        <p:txBody>
+          <a:bodyPr vert="eaVert" wrap="square" rtlCol="0">
+            <a:spAutoFit/>
+          </a:bodyPr>
+          <a:lstStyle/>
+          <a:p>
+            <a:r>
+              <a:rPr lang="zh-CN" altLang="en-US" sz="2000" dirty="0" smtClean="0">
+                <a:latin typeface="楷体" panose="02010609060101010101" pitchFamily="49" charset="-122"/>
+                <a:ea typeface="楷体" panose="02010609060101010101" pitchFamily="49" charset="-122"/>
+              </a:rPr>
+              <a:t>其它</a:t>
+            </a:r>
+            <a:endParaRPr lang="zh-CN" altLang="en-US" sz="2000" dirty="0">
+              <a:latin typeface="楷体" panose="02010609060101010101" pitchFamily="49" charset="-122"/>
+              <a:ea typeface="楷体" panose="02010609060101010101" pitchFamily="49" charset="-122"/>
+            </a:endParaRPr>
+          </a:p>
+        </p:txBody>
+      </p:sp>
     </p:spTree>
     <p:extLst>
       <p:ext uri="{BB962C8B-B14F-4D97-AF65-F5344CB8AC3E}">
         <p14:creationId xmlns:p14="http://schemas.microsoft.com/office/powerpoint/2010/main" val="2361126425"/>
+      </p:ext>
+    </p:extLst>
+  </p:cSld>
+  <p:clrMapOvr>
+    <a:masterClrMapping/>
+  </p:clrMapOvr>
+</p:sld>
+</file>
+
+<file path=ppt/slides/slide7.xml><?xml version="1.0" encoding="utf-8"?>
+<p:sld xmlns:a="http://schemas.openxmlformats.org/drawingml/2006/main" xmlns:r="http://schemas.openxmlformats.org/officeDocument/2006/relationships" xmlns:p="http://schemas.openxmlformats.org/presentationml/2006/main">
+  <p:cSld>
+    <p:spTree>
+      <p:nvGrpSpPr>
+        <p:cNvPr id="1" name=""/>
+        <p:cNvGrpSpPr/>
+        <p:nvPr/>
+      </p:nvGrpSpPr>
+      <p:grpSpPr>
+        <a:xfrm>
+          <a:off x="0" y="0"/>
+          <a:ext cx="0" cy="0"/>
+          <a:chOff x="0" y="0"/>
+          <a:chExt cx="0" cy="0"/>
+        </a:xfrm>
+      </p:grpSpPr>
+      <mc:AlternateContent xmlns:mc="http://schemas.openxmlformats.org/markup-compatibility/2006">
+        <mc:Choice xmlns:a14="http://schemas.microsoft.com/office/drawing/2010/main" Requires="a14">
+          <p:sp>
+            <p:nvSpPr>
+              <p:cNvPr id="4" name="文本框 3"/>
+              <p:cNvSpPr txBox="1"/>
+              <p:nvPr/>
+            </p:nvSpPr>
+            <p:spPr>
+              <a:xfrm>
+                <a:off x="594360" y="1169126"/>
+                <a:ext cx="4457952" cy="1046440"/>
+              </a:xfrm>
+              <a:prstGeom prst="rect">
+                <a:avLst/>
+              </a:prstGeom>
+              <a:noFill/>
+            </p:spPr>
+            <p:txBody>
+              <a:bodyPr wrap="none" lIns="0" tIns="0" rIns="0" bIns="0" rtlCol="0">
+                <a:spAutoFit/>
+              </a:bodyPr>
+              <a:lstStyle/>
+              <a:p>
+                <a14:m>
+                  <m:oMathPara xmlns:m="http://schemas.openxmlformats.org/officeDocument/2006/math">
+                    <m:oMathParaPr>
+                      <m:jc m:val="centerGroup"/>
+                    </m:oMathParaPr>
+                    <m:oMath xmlns:m="http://schemas.openxmlformats.org/officeDocument/2006/math">
+                      <m:r>
+                        <a:rPr lang="en-US" altLang="zh-CN" sz="3600" b="0" i="1" smtClean="0">
+                          <a:latin typeface="Cambria Math" panose="02040503050406030204" pitchFamily="18" charset="0"/>
+                        </a:rPr>
+                        <m:t>𝑃𝑟𝑒𝑐𝑖𝑠𝑜𝑛</m:t>
+                      </m:r>
+                      <m:r>
+                        <a:rPr lang="en-US" altLang="zh-CN" sz="3600" b="0" i="1" smtClean="0">
+                          <a:latin typeface="Cambria Math" panose="02040503050406030204" pitchFamily="18" charset="0"/>
+                        </a:rPr>
+                        <m:t> = </m:t>
+                      </m:r>
+                      <m:f>
+                        <m:fPr>
+                          <m:ctrlPr>
+                            <a:rPr lang="en-US" altLang="zh-CN" sz="3600" b="0" i="1" smtClean="0">
+                              <a:latin typeface="Cambria Math" panose="02040503050406030204" pitchFamily="18" charset="0"/>
+                            </a:rPr>
+                          </m:ctrlPr>
+                        </m:fPr>
+                        <m:num>
+                          <m:r>
+                            <a:rPr lang="en-US" altLang="zh-CN" sz="3600" b="0" i="1" smtClean="0">
+                              <a:latin typeface="Cambria Math" panose="02040503050406030204" pitchFamily="18" charset="0"/>
+                            </a:rPr>
+                            <m:t>𝑇𝑃</m:t>
+                          </m:r>
+                        </m:num>
+                        <m:den>
+                          <m:r>
+                            <a:rPr lang="en-US" altLang="zh-CN" sz="3600" b="0" i="1" smtClean="0">
+                              <a:latin typeface="Cambria Math" panose="02040503050406030204" pitchFamily="18" charset="0"/>
+                            </a:rPr>
+                            <m:t>𝑇𝑃</m:t>
+                          </m:r>
+                          <m:r>
+                            <a:rPr lang="en-US" altLang="zh-CN" sz="3600" b="0" i="1" smtClean="0">
+                              <a:latin typeface="Cambria Math" panose="02040503050406030204" pitchFamily="18" charset="0"/>
+                            </a:rPr>
+                            <m:t>+</m:t>
+                          </m:r>
+                          <m:r>
+                            <a:rPr lang="en-US" altLang="zh-CN" sz="3600" b="0" i="1" smtClean="0">
+                              <a:latin typeface="Cambria Math" panose="02040503050406030204" pitchFamily="18" charset="0"/>
+                            </a:rPr>
+                            <m:t>𝐹𝑃</m:t>
+                          </m:r>
+                        </m:den>
+                      </m:f>
+                    </m:oMath>
+                  </m:oMathPara>
+                </a14:m>
+                <a:endParaRPr lang="zh-CN" altLang="en-US" sz="3600" dirty="0">
+                  <a:latin typeface="Arial" panose="020B0604020202020204" pitchFamily="34" charset="0"/>
+                  <a:cs typeface="Arial" panose="020B0604020202020204" pitchFamily="34" charset="0"/>
+                </a:endParaRPr>
+              </a:p>
+            </p:txBody>
+          </p:sp>
+        </mc:Choice>
+        <mc:Fallback>
+          <p:sp>
+            <p:nvSpPr>
+              <p:cNvPr id="4" name="文本框 3"/>
+              <p:cNvSpPr txBox="1">
+                <a:spLocks noRot="1" noChangeAspect="1" noMove="1" noResize="1" noEditPoints="1" noAdjustHandles="1" noChangeArrowheads="1" noChangeShapeType="1" noTextEdit="1"/>
+              </p:cNvSpPr>
+              <p:nvPr/>
+            </p:nvSpPr>
+            <p:spPr>
+              <a:xfrm>
+                <a:off x="594360" y="1169126"/>
+                <a:ext cx="4457952" cy="1046440"/>
+              </a:xfrm>
+              <a:prstGeom prst="rect">
+                <a:avLst/>
+              </a:prstGeom>
+              <a:blipFill>
+                <a:blip r:embed="rId2"/>
+                <a:stretch>
+                  <a:fillRect/>
+                </a:stretch>
+              </a:blipFill>
+            </p:spPr>
+            <p:txBody>
+              <a:bodyPr/>
+              <a:lstStyle/>
+              <a:p>
+                <a:r>
+                  <a:rPr lang="zh-CN" altLang="en-US">
+                    <a:noFill/>
+                  </a:rPr>
+                  <a:t> </a:t>
+                </a:r>
+              </a:p>
+            </p:txBody>
+          </p:sp>
+        </mc:Fallback>
+      </mc:AlternateContent>
+      <mc:AlternateContent xmlns:mc="http://schemas.openxmlformats.org/markup-compatibility/2006">
+        <mc:Choice xmlns:a14="http://schemas.microsoft.com/office/drawing/2010/main" Requires="a14">
+          <p:sp>
+            <p:nvSpPr>
+              <p:cNvPr id="5" name="文本框 4"/>
+              <p:cNvSpPr txBox="1"/>
+              <p:nvPr/>
+            </p:nvSpPr>
+            <p:spPr>
+              <a:xfrm>
+                <a:off x="5789022" y="1169126"/>
+                <a:ext cx="4185826" cy="1046440"/>
+              </a:xfrm>
+              <a:prstGeom prst="rect">
+                <a:avLst/>
+              </a:prstGeom>
+              <a:noFill/>
+            </p:spPr>
+            <p:txBody>
+              <a:bodyPr wrap="none" lIns="0" tIns="0" rIns="0" bIns="0" rtlCol="0">
+                <a:spAutoFit/>
+              </a:bodyPr>
+              <a:lstStyle/>
+              <a:p>
+                <a14:m>
+                  <m:oMathPara xmlns:m="http://schemas.openxmlformats.org/officeDocument/2006/math">
+                    <m:oMathParaPr>
+                      <m:jc m:val="centerGroup"/>
+                    </m:oMathParaPr>
+                    <m:oMath xmlns:m="http://schemas.openxmlformats.org/officeDocument/2006/math">
+                      <m:r>
+                        <a:rPr lang="en-US" altLang="zh-CN" sz="3600" b="0" i="1" smtClean="0">
+                          <a:latin typeface="Cambria Math" panose="02040503050406030204" pitchFamily="18" charset="0"/>
+                        </a:rPr>
+                        <m:t>𝑅𝑒𝑐𝑎𝑙𝑙</m:t>
+                      </m:r>
+                      <m:r>
+                        <a:rPr lang="en-US" altLang="zh-CN" sz="3600" b="0" i="1" smtClean="0">
+                          <a:latin typeface="Cambria Math" panose="02040503050406030204" pitchFamily="18" charset="0"/>
+                        </a:rPr>
+                        <m:t> = </m:t>
+                      </m:r>
+                      <m:f>
+                        <m:fPr>
+                          <m:ctrlPr>
+                            <a:rPr lang="en-US" altLang="zh-CN" sz="3600" b="0" i="1" smtClean="0">
+                              <a:latin typeface="Cambria Math" panose="02040503050406030204" pitchFamily="18" charset="0"/>
+                            </a:rPr>
+                          </m:ctrlPr>
+                        </m:fPr>
+                        <m:num>
+                          <m:r>
+                            <a:rPr lang="en-US" altLang="zh-CN" sz="3600" b="0" i="1" smtClean="0">
+                              <a:latin typeface="Cambria Math" panose="02040503050406030204" pitchFamily="18" charset="0"/>
+                            </a:rPr>
+                            <m:t>𝑇𝑃</m:t>
+                          </m:r>
+                        </m:num>
+                        <m:den>
+                          <m:r>
+                            <a:rPr lang="en-US" altLang="zh-CN" sz="3600" b="0" i="1" smtClean="0">
+                              <a:latin typeface="Cambria Math" panose="02040503050406030204" pitchFamily="18" charset="0"/>
+                            </a:rPr>
+                            <m:t>𝑇𝑃</m:t>
+                          </m:r>
+                          <m:r>
+                            <a:rPr lang="en-US" altLang="zh-CN" sz="3600" b="0" i="1" smtClean="0">
+                              <a:latin typeface="Cambria Math" panose="02040503050406030204" pitchFamily="18" charset="0"/>
+                            </a:rPr>
+                            <m:t> + </m:t>
+                          </m:r>
+                          <m:r>
+                            <a:rPr lang="en-US" altLang="zh-CN" sz="3600" b="0" i="1" smtClean="0">
+                              <a:latin typeface="Cambria Math" panose="02040503050406030204" pitchFamily="18" charset="0"/>
+                            </a:rPr>
+                            <m:t>𝐹𝑁</m:t>
+                          </m:r>
+                        </m:den>
+                      </m:f>
+                    </m:oMath>
+                  </m:oMathPara>
+                </a14:m>
+                <a:endParaRPr lang="zh-CN" altLang="en-US" sz="3600" dirty="0">
+                  <a:latin typeface="Arial" panose="020B0604020202020204" pitchFamily="34" charset="0"/>
+                  <a:cs typeface="Arial" panose="020B0604020202020204" pitchFamily="34" charset="0"/>
+                </a:endParaRPr>
+              </a:p>
+            </p:txBody>
+          </p:sp>
+        </mc:Choice>
+        <mc:Fallback>
+          <p:sp>
+            <p:nvSpPr>
+              <p:cNvPr id="5" name="文本框 4"/>
+              <p:cNvSpPr txBox="1">
+                <a:spLocks noRot="1" noChangeAspect="1" noMove="1" noResize="1" noEditPoints="1" noAdjustHandles="1" noChangeArrowheads="1" noChangeShapeType="1" noTextEdit="1"/>
+              </p:cNvSpPr>
+              <p:nvPr/>
+            </p:nvSpPr>
+            <p:spPr>
+              <a:xfrm>
+                <a:off x="5789022" y="1169126"/>
+                <a:ext cx="4185826" cy="1046440"/>
+              </a:xfrm>
+              <a:prstGeom prst="rect">
+                <a:avLst/>
+              </a:prstGeom>
+              <a:blipFill>
+                <a:blip r:embed="rId3"/>
+                <a:stretch>
+                  <a:fillRect/>
+                </a:stretch>
+              </a:blipFill>
+            </p:spPr>
+            <p:txBody>
+              <a:bodyPr/>
+              <a:lstStyle/>
+              <a:p>
+                <a:r>
+                  <a:rPr lang="zh-CN" altLang="en-US">
+                    <a:noFill/>
+                  </a:rPr>
+                  <a:t> </a:t>
+                </a:r>
+              </a:p>
+            </p:txBody>
+          </p:sp>
+        </mc:Fallback>
+      </mc:AlternateContent>
+      <mc:AlternateContent xmlns:mc="http://schemas.openxmlformats.org/markup-compatibility/2006">
+        <mc:Choice xmlns:a14="http://schemas.microsoft.com/office/drawing/2010/main" Requires="a14">
+          <p:sp>
+            <p:nvSpPr>
+              <p:cNvPr id="6" name="文本框 5"/>
+              <p:cNvSpPr txBox="1"/>
+              <p:nvPr/>
+            </p:nvSpPr>
+            <p:spPr>
+              <a:xfrm>
+                <a:off x="594360" y="2606038"/>
+                <a:ext cx="8685711" cy="1061060"/>
+              </a:xfrm>
+              <a:prstGeom prst="rect">
+                <a:avLst/>
+              </a:prstGeom>
+              <a:noFill/>
+            </p:spPr>
+            <p:txBody>
+              <a:bodyPr wrap="none" lIns="0" tIns="0" rIns="0" bIns="0" rtlCol="0">
+                <a:spAutoFit/>
+              </a:bodyPr>
+              <a:lstStyle/>
+              <a:p>
+                <a14:m>
+                  <m:oMathPara xmlns:m="http://schemas.openxmlformats.org/officeDocument/2006/math">
+                    <m:oMathParaPr>
+                      <m:jc m:val="centerGroup"/>
+                    </m:oMathParaPr>
+                    <m:oMath xmlns:m="http://schemas.openxmlformats.org/officeDocument/2006/math">
+                      <m:r>
+                        <a:rPr lang="en-US" altLang="zh-CN" sz="3600" b="0" i="1" smtClean="0">
+                          <a:latin typeface="Cambria Math" panose="02040503050406030204" pitchFamily="18" charset="0"/>
+                        </a:rPr>
+                        <m:t>𝐹</m:t>
+                      </m:r>
+                      <m:r>
+                        <a:rPr lang="en-US" altLang="zh-CN" sz="3600" b="0" i="1" smtClean="0">
+                          <a:latin typeface="Cambria Math" panose="02040503050406030204" pitchFamily="18" charset="0"/>
+                        </a:rPr>
+                        <m:t>1−</m:t>
+                      </m:r>
+                      <m:r>
+                        <a:rPr lang="en-US" altLang="zh-CN" sz="3600" b="0" i="1" smtClean="0">
+                          <a:latin typeface="Cambria Math" panose="02040503050406030204" pitchFamily="18" charset="0"/>
+                        </a:rPr>
+                        <m:t>𝑀𝑒𝑎𝑠𝑢𝑟𝑒</m:t>
+                      </m:r>
+                      <m:r>
+                        <a:rPr lang="en-US" altLang="zh-CN" sz="3600" b="0" i="1" smtClean="0">
+                          <a:latin typeface="Cambria Math" panose="02040503050406030204" pitchFamily="18" charset="0"/>
+                        </a:rPr>
+                        <m:t> = </m:t>
+                      </m:r>
+                      <m:f>
+                        <m:fPr>
+                          <m:ctrlPr>
+                            <a:rPr lang="en-US" altLang="zh-CN" sz="3600" i="1">
+                              <a:latin typeface="Cambria Math" panose="02040503050406030204" pitchFamily="18" charset="0"/>
+                            </a:rPr>
+                          </m:ctrlPr>
+                        </m:fPr>
+                        <m:num>
+                          <m:r>
+                            <a:rPr lang="en-US" altLang="zh-CN" sz="3600" i="1">
+                              <a:latin typeface="Cambria Math" panose="02040503050406030204" pitchFamily="18" charset="0"/>
+                            </a:rPr>
+                            <m:t>2</m:t>
+                          </m:r>
+                          <m:r>
+                            <a:rPr lang="en-US" altLang="zh-CN" sz="3600" b="0" i="1" smtClean="0">
+                              <a:latin typeface="Cambria Math" panose="02040503050406030204" pitchFamily="18" charset="0"/>
+                            </a:rPr>
+                            <m:t> </m:t>
+                          </m:r>
+                          <m:r>
+                            <a:rPr lang="en-US" altLang="zh-CN" sz="3600" i="1" smtClean="0">
+                              <a:latin typeface="Cambria Math" panose="02040503050406030204" pitchFamily="18" charset="0"/>
+                              <a:ea typeface="Cambria Math" panose="02040503050406030204" pitchFamily="18" charset="0"/>
+                            </a:rPr>
+                            <m:t>×</m:t>
+                          </m:r>
+                          <m:r>
+                            <a:rPr lang="en-US" altLang="zh-CN" sz="3600" b="0" i="1" smtClean="0">
+                              <a:latin typeface="Cambria Math" panose="02040503050406030204" pitchFamily="18" charset="0"/>
+                              <a:ea typeface="Cambria Math" panose="02040503050406030204" pitchFamily="18" charset="0"/>
+                            </a:rPr>
+                            <m:t> </m:t>
+                          </m:r>
+                          <m:r>
+                            <a:rPr lang="en-US" altLang="zh-CN" sz="3600" b="0" i="1" smtClean="0">
+                              <a:latin typeface="Cambria Math" panose="02040503050406030204" pitchFamily="18" charset="0"/>
+                            </a:rPr>
+                            <m:t>𝑃𝑟𝑒𝑐𝑖𝑠𝑜𝑛</m:t>
+                          </m:r>
+                          <m:r>
+                            <a:rPr lang="en-US" altLang="zh-CN" sz="3600" b="0" i="1" smtClean="0">
+                              <a:latin typeface="Cambria Math" panose="02040503050406030204" pitchFamily="18" charset="0"/>
+                            </a:rPr>
+                            <m:t> × </m:t>
+                          </m:r>
+                          <m:r>
+                            <a:rPr lang="en-US" altLang="zh-CN" sz="3600" b="0" i="1" smtClean="0">
+                              <a:latin typeface="Cambria Math" panose="02040503050406030204" pitchFamily="18" charset="0"/>
+                              <a:ea typeface="Cambria Math" panose="02040503050406030204" pitchFamily="18" charset="0"/>
+                            </a:rPr>
+                            <m:t>𝑅𝑒𝑐𝑎𝑙𝑙</m:t>
+                          </m:r>
+                        </m:num>
+                        <m:den>
+                          <m:r>
+                            <a:rPr lang="en-US" altLang="zh-CN" sz="3600" b="0" i="1" smtClean="0">
+                              <a:latin typeface="Cambria Math" panose="02040503050406030204" pitchFamily="18" charset="0"/>
+                            </a:rPr>
+                            <m:t>𝑃𝑟𝑒𝑐𝑖𝑠𝑖𝑜𝑛</m:t>
+                          </m:r>
+                          <m:r>
+                            <a:rPr lang="en-US" altLang="zh-CN" sz="3600" b="0" i="1" smtClean="0">
+                              <a:latin typeface="Cambria Math" panose="02040503050406030204" pitchFamily="18" charset="0"/>
+                            </a:rPr>
+                            <m:t> + </m:t>
+                          </m:r>
+                          <m:r>
+                            <a:rPr lang="en-US" altLang="zh-CN" sz="3600" b="0" i="1" smtClean="0">
+                              <a:latin typeface="Cambria Math" panose="02040503050406030204" pitchFamily="18" charset="0"/>
+                            </a:rPr>
+                            <m:t>𝑅𝑒𝑐𝑎𝑙𝑙</m:t>
+                          </m:r>
+                        </m:den>
+                      </m:f>
+                    </m:oMath>
+                  </m:oMathPara>
+                </a14:m>
+                <a:endParaRPr lang="zh-CN" altLang="en-US" sz="3600" dirty="0">
+                  <a:latin typeface="Arial" panose="020B0604020202020204" pitchFamily="34" charset="0"/>
+                  <a:cs typeface="Arial" panose="020B0604020202020204" pitchFamily="34" charset="0"/>
+                </a:endParaRPr>
+              </a:p>
+            </p:txBody>
+          </p:sp>
+        </mc:Choice>
+        <mc:Fallback>
+          <p:sp>
+            <p:nvSpPr>
+              <p:cNvPr id="6" name="文本框 5"/>
+              <p:cNvSpPr txBox="1">
+                <a:spLocks noRot="1" noChangeAspect="1" noMove="1" noResize="1" noEditPoints="1" noAdjustHandles="1" noChangeArrowheads="1" noChangeShapeType="1" noTextEdit="1"/>
+              </p:cNvSpPr>
+              <p:nvPr/>
+            </p:nvSpPr>
+            <p:spPr>
+              <a:xfrm>
+                <a:off x="594360" y="2606038"/>
+                <a:ext cx="8685711" cy="1061060"/>
+              </a:xfrm>
+              <a:prstGeom prst="rect">
+                <a:avLst/>
+              </a:prstGeom>
+              <a:blipFill>
+                <a:blip r:embed="rId4"/>
+                <a:stretch>
+                  <a:fillRect/>
+                </a:stretch>
+              </a:blipFill>
+            </p:spPr>
+            <p:txBody>
+              <a:bodyPr/>
+              <a:lstStyle/>
+              <a:p>
+                <a:r>
+                  <a:rPr lang="zh-CN" altLang="en-US">
+                    <a:noFill/>
+                  </a:rPr>
+                  <a:t> </a:t>
+                </a:r>
+              </a:p>
+            </p:txBody>
+          </p:sp>
+        </mc:Fallback>
+      </mc:AlternateContent>
+    </p:spTree>
+    <p:extLst>
+      <p:ext uri="{BB962C8B-B14F-4D97-AF65-F5344CB8AC3E}">
+        <p14:creationId xmlns:p14="http://schemas.microsoft.com/office/powerpoint/2010/main" val="3881876975"/>
       </p:ext>
     </p:extLst>
   </p:cSld>
